--- a/Figure-6-2/Figure62/Figure62_blog.pptx
+++ b/Figure-6-2/Figure62/Figure62_blog.pptx
@@ -785,6 +785,964 @@
             <a:r>
               <a:rPr/>
               <a:t>2020-21</a:t>
+            </a:r>
+          </a:p>
+          <a:p>
+            <a:pPr lvl="0" marL="0" indent="0">
+              <a:buNone/>
+            </a:pPr>
+          </a:p>
+          <a:p>
+            <a:pPr lvl="0" marL="0" indent="0">
+              <a:buNone/>
+            </a:pPr>
+            <a:r>
+              <a:rPr/>
+              <a:t>Note:</a:t>
+            </a:r>
+            <a:r>
+              <a:rPr/>
+              <a:t> </a:t>
+            </a:r>
+            <a:r>
+              <a:rPr/>
+              <a:t>Earnings</a:t>
+            </a:r>
+            <a:r>
+              <a:rPr/>
+              <a:t> </a:t>
+            </a:r>
+            <a:r>
+              <a:rPr/>
+              <a:t>estimated</a:t>
+            </a:r>
+            <a:r>
+              <a:rPr/>
+              <a:t> </a:t>
+            </a:r>
+            <a:r>
+              <a:rPr/>
+              <a:t>as</a:t>
+            </a:r>
+            <a:r>
+              <a:rPr/>
+              <a:t> </a:t>
+            </a:r>
+            <a:r>
+              <a:rPr/>
+              <a:t>5%</a:t>
+            </a:r>
+            <a:r>
+              <a:rPr/>
+              <a:t> </a:t>
+            </a:r>
+            <a:r>
+              <a:rPr/>
+              <a:t>of</a:t>
+            </a:r>
+            <a:r>
+              <a:rPr/>
+              <a:t> </a:t>
+            </a:r>
+            <a:r>
+              <a:rPr/>
+              <a:t>super</a:t>
+            </a:r>
+            <a:r>
+              <a:rPr/>
+              <a:t> </a:t>
+            </a:r>
+            <a:r>
+              <a:rPr/>
+              <a:t>balances.</a:t>
+            </a:r>
+            <a:r>
+              <a:rPr/>
+              <a:t> </a:t>
+            </a:r>
+            <a:r>
+              <a:rPr/>
+              <a:t>Effective</a:t>
+            </a:r>
+            <a:r>
+              <a:rPr/>
+              <a:t> </a:t>
+            </a:r>
+            <a:r>
+              <a:rPr/>
+              <a:t>earnings</a:t>
+            </a:r>
+            <a:r>
+              <a:rPr/>
+              <a:t> </a:t>
+            </a:r>
+            <a:r>
+              <a:rPr/>
+              <a:t>tax</a:t>
+            </a:r>
+            <a:r>
+              <a:rPr/>
+              <a:t> </a:t>
+            </a:r>
+            <a:r>
+              <a:rPr/>
+              <a:t>assumed</a:t>
+            </a:r>
+            <a:r>
+              <a:rPr/>
+              <a:t> </a:t>
+            </a:r>
+            <a:r>
+              <a:rPr/>
+              <a:t>to</a:t>
+            </a:r>
+            <a:r>
+              <a:rPr/>
+              <a:t> </a:t>
+            </a:r>
+            <a:r>
+              <a:rPr/>
+              <a:t>be</a:t>
+            </a:r>
+            <a:r>
+              <a:rPr/>
+              <a:t> </a:t>
+            </a:r>
+            <a:r>
+              <a:rPr/>
+              <a:t>12.5%.</a:t>
+            </a:r>
+            <a:r>
+              <a:rPr/>
+              <a:t> </a:t>
+            </a:r>
+            <a:r>
+              <a:rPr/>
+              <a:t>Behavioural</a:t>
+            </a:r>
+            <a:r>
+              <a:rPr/>
+              <a:t> </a:t>
+            </a:r>
+            <a:r>
+              <a:rPr/>
+              <a:t>response</a:t>
+            </a:r>
+            <a:r>
+              <a:rPr/>
+              <a:t> </a:t>
+            </a:r>
+            <a:r>
+              <a:rPr/>
+              <a:t>assumed</a:t>
+            </a:r>
+            <a:r>
+              <a:rPr/>
+              <a:t> </a:t>
+            </a:r>
+            <a:r>
+              <a:rPr/>
+              <a:t>to</a:t>
+            </a:r>
+            <a:r>
+              <a:rPr/>
+              <a:t> </a:t>
+            </a:r>
+            <a:r>
+              <a:rPr/>
+              <a:t>be</a:t>
+            </a:r>
+            <a:r>
+              <a:rPr/>
+              <a:t> </a:t>
+            </a:r>
+            <a:r>
+              <a:rPr/>
+              <a:t>that</a:t>
+            </a:r>
+            <a:r>
+              <a:rPr/>
+              <a:t> </a:t>
+            </a:r>
+            <a:r>
+              <a:rPr/>
+              <a:t>individuals</a:t>
+            </a:r>
+            <a:r>
+              <a:rPr/>
+              <a:t> </a:t>
+            </a:r>
+            <a:r>
+              <a:rPr/>
+              <a:t>whose</a:t>
+            </a:r>
+            <a:r>
+              <a:rPr/>
+              <a:t> </a:t>
+            </a:r>
+            <a:r>
+              <a:rPr/>
+              <a:t>taxable</a:t>
+            </a:r>
+            <a:r>
+              <a:rPr/>
+              <a:t> </a:t>
+            </a:r>
+            <a:r>
+              <a:rPr/>
+              <a:t>income</a:t>
+            </a:r>
+            <a:r>
+              <a:rPr/>
+              <a:t> </a:t>
+            </a:r>
+            <a:r>
+              <a:rPr/>
+              <a:t>is</a:t>
+            </a:r>
+            <a:r>
+              <a:rPr/>
+              <a:t> </a:t>
+            </a:r>
+            <a:r>
+              <a:rPr/>
+              <a:t>below</a:t>
+            </a:r>
+            <a:r>
+              <a:rPr/>
+              <a:t> </a:t>
+            </a:r>
+            <a:r>
+              <a:rPr/>
+              <a:t>either</a:t>
+            </a:r>
+            <a:r>
+              <a:rPr/>
+              <a:t> </a:t>
+            </a:r>
+            <a:r>
+              <a:rPr/>
+              <a:t>the</a:t>
+            </a:r>
+            <a:r>
+              <a:rPr/>
+              <a:t> </a:t>
+            </a:r>
+            <a:r>
+              <a:rPr/>
+              <a:t>tax-free</a:t>
+            </a:r>
+            <a:r>
+              <a:rPr/>
+              <a:t> </a:t>
+            </a:r>
+            <a:r>
+              <a:rPr/>
+              <a:t>threshold</a:t>
+            </a:r>
+            <a:r>
+              <a:rPr/>
+              <a:t> </a:t>
+            </a:r>
+            <a:r>
+              <a:rPr/>
+              <a:t>or</a:t>
+            </a:r>
+            <a:r>
+              <a:rPr/>
+              <a:t> </a:t>
+            </a:r>
+            <a:r>
+              <a:rPr/>
+              <a:t>the</a:t>
+            </a:r>
+            <a:r>
+              <a:rPr/>
+              <a:t> </a:t>
+            </a:r>
+            <a:r>
+              <a:rPr/>
+              <a:t>taxable</a:t>
+            </a:r>
+            <a:r>
+              <a:rPr/>
+              <a:t> </a:t>
+            </a:r>
+            <a:r>
+              <a:rPr/>
+              <a:t>income</a:t>
+            </a:r>
+            <a:r>
+              <a:rPr/>
+              <a:t> </a:t>
+            </a:r>
+            <a:r>
+              <a:rPr/>
+              <a:t>at</a:t>
+            </a:r>
+            <a:r>
+              <a:rPr/>
+              <a:t> </a:t>
+            </a:r>
+            <a:r>
+              <a:rPr/>
+              <a:t>which</a:t>
+            </a:r>
+            <a:r>
+              <a:rPr/>
+              <a:t> </a:t>
+            </a:r>
+            <a:r>
+              <a:rPr/>
+              <a:t>most</a:t>
+            </a:r>
+            <a:r>
+              <a:rPr/>
+              <a:t> </a:t>
+            </a:r>
+            <a:r>
+              <a:rPr/>
+              <a:t>people’s</a:t>
+            </a:r>
+            <a:r>
+              <a:rPr/>
+              <a:t> </a:t>
+            </a:r>
+            <a:r>
+              <a:rPr/>
+              <a:t>marginal</a:t>
+            </a:r>
+            <a:r>
+              <a:rPr/>
+              <a:t> </a:t>
+            </a:r>
+            <a:r>
+              <a:rPr/>
+              <a:t>tax</a:t>
+            </a:r>
+            <a:r>
+              <a:rPr/>
+              <a:t> </a:t>
+            </a:r>
+            <a:r>
+              <a:rPr/>
+              <a:t>rate</a:t>
+            </a:r>
+            <a:r>
+              <a:rPr/>
+              <a:t> </a:t>
+            </a:r>
+            <a:r>
+              <a:rPr/>
+              <a:t>exceeds</a:t>
+            </a:r>
+            <a:r>
+              <a:rPr/>
+              <a:t> </a:t>
+            </a:r>
+            <a:r>
+              <a:rPr/>
+              <a:t>12.5%</a:t>
+            </a:r>
+            <a:r>
+              <a:rPr/>
+              <a:t> </a:t>
+            </a:r>
+            <a:r>
+              <a:rPr/>
+              <a:t>would</a:t>
+            </a:r>
+            <a:r>
+              <a:rPr/>
+              <a:t> </a:t>
+            </a:r>
+            <a:r>
+              <a:rPr/>
+              <a:t>transfer</a:t>
+            </a:r>
+            <a:r>
+              <a:rPr/>
+              <a:t> </a:t>
+            </a:r>
+            <a:r>
+              <a:rPr/>
+              <a:t>as</a:t>
+            </a:r>
+            <a:r>
+              <a:rPr/>
+              <a:t> </a:t>
+            </a:r>
+            <a:r>
+              <a:rPr/>
+              <a:t>much</a:t>
+            </a:r>
+            <a:r>
+              <a:rPr/>
+              <a:t> </a:t>
+            </a:r>
+            <a:r>
+              <a:rPr/>
+              <a:t>super</a:t>
+            </a:r>
+            <a:r>
+              <a:rPr/>
+              <a:t> </a:t>
+            </a:r>
+            <a:r>
+              <a:rPr/>
+              <a:t>earnings</a:t>
+            </a:r>
+            <a:r>
+              <a:rPr/>
+              <a:t> </a:t>
+            </a:r>
+            <a:r>
+              <a:rPr/>
+              <a:t>into</a:t>
+            </a:r>
+            <a:r>
+              <a:rPr/>
+              <a:t> </a:t>
+            </a:r>
+            <a:r>
+              <a:rPr/>
+              <a:t>their</a:t>
+            </a:r>
+            <a:r>
+              <a:rPr/>
+              <a:t> </a:t>
+            </a:r>
+            <a:r>
+              <a:rPr/>
+              <a:t>taxable</a:t>
+            </a:r>
+            <a:r>
+              <a:rPr/>
+              <a:t> </a:t>
+            </a:r>
+            <a:r>
+              <a:rPr/>
+              <a:t>income</a:t>
+            </a:r>
+            <a:r>
+              <a:rPr/>
+              <a:t> </a:t>
+            </a:r>
+            <a:r>
+              <a:rPr/>
+              <a:t>as</a:t>
+            </a:r>
+            <a:r>
+              <a:rPr/>
+              <a:t> </a:t>
+            </a:r>
+            <a:r>
+              <a:rPr/>
+              <a:t>would</a:t>
+            </a:r>
+            <a:r>
+              <a:rPr/>
+              <a:t> </a:t>
+            </a:r>
+            <a:r>
+              <a:rPr/>
+              <a:t>reduce</a:t>
+            </a:r>
+            <a:r>
+              <a:rPr/>
+              <a:t> </a:t>
+            </a:r>
+            <a:r>
+              <a:rPr/>
+              <a:t>their</a:t>
+            </a:r>
+            <a:r>
+              <a:rPr/>
+              <a:t> </a:t>
+            </a:r>
+            <a:r>
+              <a:rPr/>
+              <a:t>tax.</a:t>
+            </a:r>
+            <a:r>
+              <a:rPr/>
+              <a:t> </a:t>
+            </a:r>
+            <a:r>
+              <a:rPr/>
+              <a:t>The</a:t>
+            </a:r>
+            <a:r>
+              <a:rPr/>
+              <a:t> </a:t>
+            </a:r>
+            <a:r>
+              <a:rPr/>
+              <a:t>effective</a:t>
+            </a:r>
+            <a:r>
+              <a:rPr/>
+              <a:t> </a:t>
+            </a:r>
+            <a:r>
+              <a:rPr/>
+              <a:t>tax-free</a:t>
+            </a:r>
+            <a:r>
+              <a:rPr/>
+              <a:t> </a:t>
+            </a:r>
+            <a:r>
+              <a:rPr/>
+              <a:t>threshold</a:t>
+            </a:r>
+            <a:r>
+              <a:rPr/>
+              <a:t> </a:t>
+            </a:r>
+            <a:r>
+              <a:rPr/>
+              <a:t>is</a:t>
+            </a:r>
+            <a:r>
+              <a:rPr/>
+              <a:t> </a:t>
+            </a:r>
+            <a:r>
+              <a:rPr/>
+              <a:t>the</a:t>
+            </a:r>
+            <a:r>
+              <a:rPr/>
+              <a:t> </a:t>
+            </a:r>
+            <a:r>
+              <a:rPr/>
+              <a:t>most</a:t>
+            </a:r>
+            <a:r>
+              <a:rPr/>
+              <a:t> </a:t>
+            </a:r>
+            <a:r>
+              <a:rPr/>
+              <a:t>common</a:t>
+            </a:r>
+            <a:r>
+              <a:rPr/>
+              <a:t> </a:t>
+            </a:r>
+            <a:r>
+              <a:rPr/>
+              <a:t>taxable</a:t>
+            </a:r>
+            <a:r>
+              <a:rPr/>
+              <a:t> </a:t>
+            </a:r>
+            <a:r>
+              <a:rPr/>
+              <a:t>income</a:t>
+            </a:r>
+            <a:r>
+              <a:rPr/>
+              <a:t> </a:t>
+            </a:r>
+            <a:r>
+              <a:rPr/>
+              <a:t>in</a:t>
+            </a:r>
+            <a:r>
+              <a:rPr/>
+              <a:t> </a:t>
+            </a:r>
+            <a:r>
+              <a:rPr/>
+              <a:t>which</a:t>
+            </a:r>
+            <a:r>
+              <a:rPr/>
+              <a:t> </a:t>
+            </a:r>
+            <a:r>
+              <a:rPr/>
+              <a:t>people</a:t>
+            </a:r>
+            <a:r>
+              <a:rPr/>
+              <a:t> </a:t>
+            </a:r>
+            <a:r>
+              <a:rPr/>
+              <a:t>of</a:t>
+            </a:r>
+            <a:r>
+              <a:rPr/>
+              <a:t> </a:t>
+            </a:r>
+            <a:r>
+              <a:rPr/>
+              <a:t>that</a:t>
+            </a:r>
+            <a:r>
+              <a:rPr/>
+              <a:t> </a:t>
+            </a:r>
+            <a:r>
+              <a:rPr/>
+              <a:t>age</a:t>
+            </a:r>
+            <a:r>
+              <a:rPr/>
+              <a:t> </a:t>
+            </a:r>
+            <a:r>
+              <a:rPr/>
+              <a:t>and</a:t>
+            </a:r>
+            <a:r>
+              <a:rPr/>
+              <a:t> </a:t>
+            </a:r>
+            <a:r>
+              <a:rPr/>
+              <a:t>partner</a:t>
+            </a:r>
+            <a:r>
+              <a:rPr/>
+              <a:t> </a:t>
+            </a:r>
+            <a:r>
+              <a:rPr/>
+              <a:t>status</a:t>
+            </a:r>
+            <a:r>
+              <a:rPr/>
+              <a:t> </a:t>
+            </a:r>
+            <a:r>
+              <a:rPr/>
+              <a:t>pay</a:t>
+            </a:r>
+            <a:r>
+              <a:rPr/>
+              <a:t> </a:t>
+            </a:r>
+            <a:r>
+              <a:rPr/>
+              <a:t>between</a:t>
+            </a:r>
+            <a:r>
+              <a:rPr/>
+              <a:t> </a:t>
+            </a:r>
+            <a:r>
+              <a:rPr/>
+              <a:t>$1</a:t>
+            </a:r>
+            <a:r>
+              <a:rPr/>
+              <a:t> </a:t>
+            </a:r>
+            <a:r>
+              <a:rPr/>
+              <a:t>and</a:t>
+            </a:r>
+            <a:r>
+              <a:rPr/>
+              <a:t> </a:t>
+            </a:r>
+            <a:r>
+              <a:rPr/>
+              <a:t>$100</a:t>
+            </a:r>
+            <a:r>
+              <a:rPr/>
+              <a:t> </a:t>
+            </a:r>
+            <a:r>
+              <a:rPr/>
+              <a:t>income</a:t>
+            </a:r>
+            <a:r>
+              <a:rPr/>
+              <a:t> </a:t>
+            </a:r>
+            <a:r>
+              <a:rPr/>
+              <a:t>tax.</a:t>
+            </a:r>
+            <a:r>
+              <a:rPr/>
+              <a:t> </a:t>
+            </a:r>
+            <a:r>
+              <a:rPr/>
+              <a:t>The</a:t>
+            </a:r>
+            <a:r>
+              <a:rPr/>
+              <a:t> </a:t>
+            </a:r>
+            <a:r>
+              <a:rPr/>
+              <a:t>threshold</a:t>
+            </a:r>
+            <a:r>
+              <a:rPr/>
+              <a:t> </a:t>
+            </a:r>
+            <a:r>
+              <a:rPr/>
+              <a:t>for</a:t>
+            </a:r>
+            <a:r>
+              <a:rPr/>
+              <a:t> </a:t>
+            </a:r>
+            <a:r>
+              <a:rPr/>
+              <a:t>the</a:t>
+            </a:r>
+            <a:r>
+              <a:rPr/>
+              <a:t> </a:t>
+            </a:r>
+            <a:r>
+              <a:rPr/>
+              <a:t>12.5%</a:t>
+            </a:r>
+            <a:r>
+              <a:rPr/>
+              <a:t> </a:t>
+            </a:r>
+            <a:r>
+              <a:rPr/>
+              <a:t>marginal</a:t>
+            </a:r>
+            <a:r>
+              <a:rPr/>
+              <a:t> </a:t>
+            </a:r>
+            <a:r>
+              <a:rPr/>
+              <a:t>rate</a:t>
+            </a:r>
+            <a:r>
+              <a:rPr/>
+              <a:t> </a:t>
+            </a:r>
+            <a:r>
+              <a:rPr/>
+              <a:t>is</a:t>
+            </a:r>
+            <a:r>
+              <a:rPr/>
+              <a:t> </a:t>
+            </a:r>
+            <a:r>
+              <a:rPr/>
+              <a:t>the</a:t>
+            </a:r>
+            <a:r>
+              <a:rPr/>
+              <a:t> </a:t>
+            </a:r>
+            <a:r>
+              <a:rPr/>
+              <a:t>minimum</a:t>
+            </a:r>
+            <a:r>
+              <a:rPr/>
+              <a:t> </a:t>
+            </a:r>
+            <a:r>
+              <a:rPr/>
+              <a:t>taxable</a:t>
+            </a:r>
+            <a:r>
+              <a:rPr/>
+              <a:t> </a:t>
+            </a:r>
+            <a:r>
+              <a:rPr/>
+              <a:t>income</a:t>
+            </a:r>
+            <a:r>
+              <a:rPr/>
+              <a:t> </a:t>
+            </a:r>
+            <a:r>
+              <a:rPr/>
+              <a:t>at</a:t>
+            </a:r>
+            <a:r>
+              <a:rPr/>
+              <a:t> </a:t>
+            </a:r>
+            <a:r>
+              <a:rPr/>
+              <a:t>which</a:t>
+            </a:r>
+            <a:r>
+              <a:rPr/>
+              <a:t> </a:t>
+            </a:r>
+            <a:r>
+              <a:rPr/>
+              <a:t>the</a:t>
+            </a:r>
+            <a:r>
+              <a:rPr/>
+              <a:t> </a:t>
+            </a:r>
+            <a:r>
+              <a:rPr/>
+              <a:t>marginal</a:t>
+            </a:r>
+            <a:r>
+              <a:rPr/>
+              <a:t> </a:t>
+            </a:r>
+            <a:r>
+              <a:rPr/>
+              <a:t>tax</a:t>
+            </a:r>
+            <a:r>
+              <a:rPr/>
+              <a:t> </a:t>
+            </a:r>
+            <a:r>
+              <a:rPr/>
+              <a:t>rate</a:t>
+            </a:r>
+            <a:r>
+              <a:rPr/>
+              <a:t> </a:t>
+            </a:r>
+            <a:r>
+              <a:rPr/>
+              <a:t>is</a:t>
+            </a:r>
+            <a:r>
+              <a:rPr/>
+              <a:t> </a:t>
+            </a:r>
+            <a:r>
+              <a:rPr/>
+              <a:t>greater</a:t>
+            </a:r>
+            <a:r>
+              <a:rPr/>
+              <a:t> </a:t>
+            </a:r>
+            <a:r>
+              <a:rPr/>
+              <a:t>than</a:t>
+            </a:r>
+            <a:r>
+              <a:rPr/>
+              <a:t> </a:t>
+            </a:r>
+            <a:r>
+              <a:rPr/>
+              <a:t>12.5%</a:t>
+            </a:r>
+            <a:r>
+              <a:rPr/>
+              <a:t> </a:t>
+            </a:r>
+            <a:r>
+              <a:rPr/>
+              <a:t>for</a:t>
+            </a:r>
+            <a:r>
+              <a:rPr/>
+              <a:t> </a:t>
+            </a:r>
+            <a:r>
+              <a:rPr/>
+              <a:t>that</a:t>
+            </a:r>
+            <a:r>
+              <a:rPr/>
+              <a:t> </a:t>
+            </a:r>
+            <a:r>
+              <a:rPr/>
+              <a:t>age</a:t>
+            </a:r>
+            <a:r>
+              <a:rPr/>
+              <a:t> </a:t>
+            </a:r>
+            <a:r>
+              <a:rPr/>
+              <a:t>and</a:t>
+            </a:r>
+            <a:r>
+              <a:rPr/>
+              <a:t> </a:t>
+            </a:r>
+            <a:r>
+              <a:rPr/>
+              <a:t>partner</a:t>
+            </a:r>
+            <a:r>
+              <a:rPr/>
+              <a:t> </a:t>
+            </a:r>
+            <a:r>
+              <a:rPr/>
+              <a:t>status.</a:t>
+            </a:r>
+            <a:r>
+              <a:rPr/>
+              <a:t> </a:t>
+            </a:r>
+            <a:r>
+              <a:rPr/>
+              <a:t>Source:</a:t>
+            </a:r>
+            <a:r>
+              <a:rPr/>
+              <a:t> </a:t>
+            </a:r>
+            <a:r>
+              <a:rPr/>
+              <a:t>ATO</a:t>
+            </a:r>
+            <a:r>
+              <a:rPr/>
+              <a:t> </a:t>
+            </a:r>
+            <a:r>
+              <a:rPr/>
+              <a:t>2017-18</a:t>
+            </a:r>
+            <a:r>
+              <a:rPr/>
+              <a:t> </a:t>
+            </a:r>
+            <a:r>
+              <a:rPr/>
+              <a:t>2%</a:t>
+            </a:r>
+            <a:r>
+              <a:rPr/>
+              <a:t> </a:t>
+            </a:r>
+            <a:r>
+              <a:rPr/>
+              <a:t>sample</a:t>
+            </a:r>
+            <a:r>
+              <a:rPr/>
+              <a:t> </a:t>
+            </a:r>
+            <a:r>
+              <a:rPr/>
+              <a:t>file.</a:t>
             </a:r>
           </a:p>
           <a:p>
@@ -4309,7 +5267,7 @@
           <p:spPr>
             <a:xfrm>
               <a:off x="1009845" y="1322639"/>
-              <a:ext cx="7930826" cy="4844159"/>
+              <a:ext cx="7930826" cy="3851738"/>
             </a:xfrm>
             <a:prstGeom prst="rect">
               <a:avLst/>
@@ -4334,7 +5292,7 @@
           </p:nvSpPr>
           <p:spPr>
             <a:xfrm>
-              <a:off x="1009845" y="6166799"/>
+              <a:off x="1009845" y="5174378"/>
               <a:ext cx="7930826" cy="0"/>
             </a:xfrm>
             <a:custGeom>
@@ -4377,7 +5335,7 @@
           </p:nvSpPr>
           <p:spPr>
             <a:xfrm>
-              <a:off x="1009845" y="4372094"/>
+              <a:off x="1009845" y="3461949"/>
               <a:ext cx="7930826" cy="0"/>
             </a:xfrm>
             <a:custGeom>
@@ -4420,7 +5378,7 @@
           </p:nvSpPr>
           <p:spPr>
             <a:xfrm>
-              <a:off x="1009845" y="2577389"/>
+              <a:off x="1009845" y="1749519"/>
               <a:ext cx="7930826" cy="0"/>
             </a:xfrm>
             <a:custGeom>
@@ -4463,8 +5421,8 @@
           </p:nvSpPr>
           <p:spPr>
             <a:xfrm>
-              <a:off x="1126475" y="6086427"/>
-              <a:ext cx="174944" cy="80371"/>
+              <a:off x="1126475" y="5110472"/>
+              <a:ext cx="174944" cy="63906"/>
             </a:xfrm>
             <a:prstGeom prst="rect">
               <a:avLst/>
@@ -4498,8 +5456,8 @@
           </p:nvSpPr>
           <p:spPr>
             <a:xfrm>
-              <a:off x="1301419" y="6158322"/>
-              <a:ext cx="174944" cy="8476"/>
+              <a:off x="1301419" y="5167624"/>
+              <a:ext cx="174944" cy="6754"/>
             </a:xfrm>
             <a:prstGeom prst="rect">
               <a:avLst/>
@@ -4533,8 +5491,8 @@
           </p:nvSpPr>
           <p:spPr>
             <a:xfrm>
-              <a:off x="1476364" y="6158104"/>
-              <a:ext cx="174944" cy="8694"/>
+              <a:off x="1476364" y="5167464"/>
+              <a:ext cx="174944" cy="6913"/>
             </a:xfrm>
             <a:prstGeom prst="rect">
               <a:avLst/>
@@ -4568,8 +5526,8 @@
           </p:nvSpPr>
           <p:spPr>
             <a:xfrm>
-              <a:off x="1651309" y="6161315"/>
-              <a:ext cx="174944" cy="5483"/>
+              <a:off x="1651309" y="5170012"/>
+              <a:ext cx="174944" cy="4366"/>
             </a:xfrm>
             <a:prstGeom prst="rect">
               <a:avLst/>
@@ -4603,8 +5561,8 @@
           </p:nvSpPr>
           <p:spPr>
             <a:xfrm>
-              <a:off x="1904007" y="5981081"/>
-              <a:ext cx="174944" cy="185718"/>
+              <a:off x="1904007" y="5026708"/>
+              <a:ext cx="174944" cy="147670"/>
             </a:xfrm>
             <a:prstGeom prst="rect">
               <a:avLst/>
@@ -4638,8 +5596,8 @@
           </p:nvSpPr>
           <p:spPr>
             <a:xfrm>
-              <a:off x="2078951" y="6165852"/>
-              <a:ext cx="174944" cy="946"/>
+              <a:off x="2078951" y="5173625"/>
+              <a:ext cx="174944" cy="752"/>
             </a:xfrm>
             <a:prstGeom prst="rect">
               <a:avLst/>
@@ -4673,8 +5631,8 @@
           </p:nvSpPr>
           <p:spPr>
             <a:xfrm>
-              <a:off x="2253896" y="6165694"/>
-              <a:ext cx="174944" cy="1105"/>
+              <a:off x="2253896" y="5173499"/>
+              <a:ext cx="174944" cy="878"/>
             </a:xfrm>
             <a:prstGeom prst="rect">
               <a:avLst/>
@@ -4708,7 +5666,7 @@
           </p:nvSpPr>
           <p:spPr>
             <a:xfrm>
-              <a:off x="2428841" y="6166799"/>
+              <a:off x="2428841" y="5174378"/>
               <a:ext cx="174944" cy="0"/>
             </a:xfrm>
             <a:prstGeom prst="rect">
@@ -4743,8 +5701,8 @@
           </p:nvSpPr>
           <p:spPr>
             <a:xfrm>
-              <a:off x="2681539" y="5902189"/>
-              <a:ext cx="174944" cy="264610"/>
+              <a:off x="2681539" y="4963978"/>
+              <a:ext cx="174944" cy="210399"/>
             </a:xfrm>
             <a:prstGeom prst="rect">
               <a:avLst/>
@@ -4778,8 +5736,8 @@
           </p:nvSpPr>
           <p:spPr>
             <a:xfrm>
-              <a:off x="2856483" y="6098810"/>
-              <a:ext cx="174944" cy="67988"/>
+              <a:off x="2856483" y="5120293"/>
+              <a:ext cx="174944" cy="54084"/>
             </a:xfrm>
             <a:prstGeom prst="rect">
               <a:avLst/>
@@ -4813,8 +5771,8 @@
           </p:nvSpPr>
           <p:spPr>
             <a:xfrm>
-              <a:off x="3031428" y="6151151"/>
-              <a:ext cx="174944" cy="15648"/>
+              <a:off x="3031428" y="5161936"/>
+              <a:ext cx="174944" cy="12442"/>
             </a:xfrm>
             <a:prstGeom prst="rect">
               <a:avLst/>
@@ -4848,8 +5806,8 @@
           </p:nvSpPr>
           <p:spPr>
             <a:xfrm>
-              <a:off x="3206373" y="6166033"/>
-              <a:ext cx="174944" cy="765"/>
+              <a:off x="3206373" y="5173769"/>
+              <a:ext cx="174944" cy="609"/>
             </a:xfrm>
             <a:prstGeom prst="rect">
               <a:avLst/>
@@ -4883,8 +5841,8 @@
           </p:nvSpPr>
           <p:spPr>
             <a:xfrm>
-              <a:off x="3459071" y="5777804"/>
-              <a:ext cx="174944" cy="388994"/>
+              <a:off x="3459071" y="4865076"/>
+              <a:ext cx="174944" cy="309301"/>
             </a:xfrm>
             <a:prstGeom prst="rect">
               <a:avLst/>
@@ -4918,8 +5876,8 @@
           </p:nvSpPr>
           <p:spPr>
             <a:xfrm>
-              <a:off x="3634015" y="5930620"/>
-              <a:ext cx="174944" cy="236179"/>
+              <a:off x="3634015" y="4986559"/>
+              <a:ext cx="174944" cy="187818"/>
             </a:xfrm>
             <a:prstGeom prst="rect">
               <a:avLst/>
@@ -4953,8 +5911,8 @@
           </p:nvSpPr>
           <p:spPr>
             <a:xfrm>
-              <a:off x="3808960" y="6109058"/>
-              <a:ext cx="174944" cy="57740"/>
+              <a:off x="3808960" y="5128466"/>
+              <a:ext cx="174944" cy="45911"/>
             </a:xfrm>
             <a:prstGeom prst="rect">
               <a:avLst/>
@@ -4988,8 +5946,8 @@
           </p:nvSpPr>
           <p:spPr>
             <a:xfrm>
-              <a:off x="3983905" y="6164640"/>
-              <a:ext cx="174944" cy="2159"/>
+              <a:off x="3983905" y="5172661"/>
+              <a:ext cx="174944" cy="1717"/>
             </a:xfrm>
             <a:prstGeom prst="rect">
               <a:avLst/>
@@ -5023,8 +5981,8 @@
           </p:nvSpPr>
           <p:spPr>
             <a:xfrm>
-              <a:off x="4236603" y="5634085"/>
-              <a:ext cx="174944" cy="532714"/>
+              <a:off x="4236603" y="4750801"/>
+              <a:ext cx="174944" cy="423577"/>
             </a:xfrm>
             <a:prstGeom prst="rect">
               <a:avLst/>
@@ -5058,8 +6016,8 @@
           </p:nvSpPr>
           <p:spPr>
             <a:xfrm>
-              <a:off x="4411548" y="5759247"/>
-              <a:ext cx="174944" cy="407552"/>
+              <a:off x="4411548" y="4850308"/>
+              <a:ext cx="174944" cy="324070"/>
             </a:xfrm>
             <a:prstGeom prst="rect">
               <a:avLst/>
@@ -5093,8 +6051,8 @@
           </p:nvSpPr>
           <p:spPr>
             <a:xfrm>
-              <a:off x="4586492" y="6040242"/>
-              <a:ext cx="174944" cy="126556"/>
+              <a:off x="4586492" y="5073749"/>
+              <a:ext cx="174944" cy="100629"/>
             </a:xfrm>
             <a:prstGeom prst="rect">
               <a:avLst/>
@@ -5128,8 +6086,8 @@
           </p:nvSpPr>
           <p:spPr>
             <a:xfrm>
-              <a:off x="4761437" y="6149077"/>
-              <a:ext cx="174944" cy="17722"/>
+              <a:off x="4761437" y="5160279"/>
+              <a:ext cx="174944" cy="14098"/>
             </a:xfrm>
             <a:prstGeom prst="rect">
               <a:avLst/>
@@ -5163,8 +6121,8 @@
           </p:nvSpPr>
           <p:spPr>
             <a:xfrm>
-              <a:off x="5014135" y="5457602"/>
-              <a:ext cx="174944" cy="709196"/>
+              <a:off x="5014135" y="4610474"/>
+              <a:ext cx="174944" cy="563903"/>
             </a:xfrm>
             <a:prstGeom prst="rect">
               <a:avLst/>
@@ -5198,8 +6156,8 @@
           </p:nvSpPr>
           <p:spPr>
             <a:xfrm>
-              <a:off x="5189080" y="5554023"/>
-              <a:ext cx="174944" cy="612776"/>
+              <a:off x="5189080" y="4687129"/>
+              <a:ext cx="174944" cy="487248"/>
             </a:xfrm>
             <a:prstGeom prst="rect">
               <a:avLst/>
@@ -5233,8 +6191,8 @@
           </p:nvSpPr>
           <p:spPr>
             <a:xfrm>
-              <a:off x="5364024" y="5951968"/>
-              <a:ext cx="174944" cy="214830"/>
+              <a:off x="5364024" y="5003559"/>
+              <a:ext cx="174944" cy="170818"/>
             </a:xfrm>
             <a:prstGeom prst="rect">
               <a:avLst/>
@@ -5268,8 +6226,8 @@
           </p:nvSpPr>
           <p:spPr>
             <a:xfrm>
-              <a:off x="5538969" y="6045218"/>
-              <a:ext cx="174944" cy="121580"/>
+              <a:off x="5538969" y="5077693"/>
+              <a:ext cx="174944" cy="96684"/>
             </a:xfrm>
             <a:prstGeom prst="rect">
               <a:avLst/>
@@ -5303,8 +6261,8 @@
           </p:nvSpPr>
           <p:spPr>
             <a:xfrm>
-              <a:off x="5791667" y="5261825"/>
-              <a:ext cx="174944" cy="904974"/>
+              <a:off x="5791667" y="4454805"/>
+              <a:ext cx="174944" cy="719572"/>
             </a:xfrm>
             <a:prstGeom prst="rect">
               <a:avLst/>
@@ -5338,8 +6296,8 @@
           </p:nvSpPr>
           <p:spPr>
             <a:xfrm>
-              <a:off x="5966612" y="5323627"/>
-              <a:ext cx="174944" cy="843171"/>
+              <a:off x="5966612" y="4503933"/>
+              <a:ext cx="174944" cy="670445"/>
             </a:xfrm>
             <a:prstGeom prst="rect">
               <a:avLst/>
@@ -5373,8 +6331,8 @@
           </p:nvSpPr>
           <p:spPr>
             <a:xfrm>
-              <a:off x="6141556" y="5841887"/>
-              <a:ext cx="174944" cy="324911"/>
+              <a:off x="6141556" y="4916031"/>
+              <a:ext cx="174944" cy="258347"/>
             </a:xfrm>
             <a:prstGeom prst="rect">
               <a:avLst/>
@@ -5408,8 +6366,8 @@
           </p:nvSpPr>
           <p:spPr>
             <a:xfrm>
-              <a:off x="6316501" y="5902851"/>
-              <a:ext cx="174944" cy="263948"/>
+              <a:off x="6316501" y="4964491"/>
+              <a:ext cx="174944" cy="209886"/>
             </a:xfrm>
             <a:prstGeom prst="rect">
               <a:avLst/>
@@ -5443,8 +6401,8 @@
           </p:nvSpPr>
           <p:spPr>
             <a:xfrm>
-              <a:off x="6569199" y="4921337"/>
-              <a:ext cx="174944" cy="1245461"/>
+              <a:off x="6569199" y="4184074"/>
+              <a:ext cx="174944" cy="990304"/>
             </a:xfrm>
             <a:prstGeom prst="rect">
               <a:avLst/>
@@ -5478,8 +6436,8 @@
           </p:nvSpPr>
           <p:spPr>
             <a:xfrm>
-              <a:off x="6744144" y="4972880"/>
-              <a:ext cx="174944" cy="1193919"/>
+              <a:off x="6744144" y="4225042"/>
+              <a:ext cx="174944" cy="949335"/>
             </a:xfrm>
             <a:prstGeom prst="rect">
               <a:avLst/>
@@ -5513,8 +6471,8 @@
           </p:nvSpPr>
           <p:spPr>
             <a:xfrm>
-              <a:off x="6919088" y="5605787"/>
-              <a:ext cx="174944" cy="561011"/>
+              <a:off x="6919088" y="4728300"/>
+              <a:ext cx="174944" cy="446077"/>
             </a:xfrm>
             <a:prstGeom prst="rect">
               <a:avLst/>
@@ -5548,8 +6506,8 @@
           </p:nvSpPr>
           <p:spPr>
             <a:xfrm>
-              <a:off x="7094033" y="5656681"/>
-              <a:ext cx="174944" cy="510117"/>
+              <a:off x="7094033" y="4768754"/>
+              <a:ext cx="174944" cy="405623"/>
             </a:xfrm>
             <a:prstGeom prst="rect">
               <a:avLst/>
@@ -5583,8 +6541,8 @@
           </p:nvSpPr>
           <p:spPr>
             <a:xfrm>
-              <a:off x="7346731" y="4351763"/>
-              <a:ext cx="174944" cy="1815035"/>
+              <a:off x="7346731" y="3731188"/>
+              <a:ext cx="174944" cy="1443189"/>
             </a:xfrm>
             <a:prstGeom prst="rect">
               <a:avLst/>
@@ -5618,8 +6576,8 @@
           </p:nvSpPr>
           <p:spPr>
             <a:xfrm>
-              <a:off x="7521676" y="4390402"/>
-              <a:ext cx="174944" cy="1776396"/>
+              <a:off x="7521676" y="3761904"/>
+              <a:ext cx="174944" cy="1412473"/>
             </a:xfrm>
             <a:prstGeom prst="rect">
               <a:avLst/>
@@ -5653,8 +6611,8 @@
           </p:nvSpPr>
           <p:spPr>
             <a:xfrm>
-              <a:off x="7696620" y="5157445"/>
-              <a:ext cx="174944" cy="1009353"/>
+              <a:off x="7696620" y="4371810"/>
+              <a:ext cx="174944" cy="802567"/>
             </a:xfrm>
             <a:prstGeom prst="rect">
               <a:avLst/>
@@ -5688,8 +6646,8 @@
           </p:nvSpPr>
           <p:spPr>
             <a:xfrm>
-              <a:off x="7871565" y="5195701"/>
-              <a:ext cx="174944" cy="971098"/>
+              <a:off x="7871565" y="4402222"/>
+              <a:ext cx="174944" cy="772156"/>
             </a:xfrm>
             <a:prstGeom prst="rect">
               <a:avLst/>
@@ -5723,8 +6681,8 @@
           </p:nvSpPr>
           <p:spPr>
             <a:xfrm>
-              <a:off x="8124263" y="1394228"/>
-              <a:ext cx="174944" cy="4772570"/>
+              <a:off x="8124263" y="1379562"/>
+              <a:ext cx="174944" cy="3794816"/>
             </a:xfrm>
             <a:prstGeom prst="rect">
               <a:avLst/>
@@ -5758,8 +6716,8 @@
           </p:nvSpPr>
           <p:spPr>
             <a:xfrm>
-              <a:off x="8299208" y="1407997"/>
-              <a:ext cx="174944" cy="4758801"/>
+              <a:off x="8299208" y="1390495"/>
+              <a:ext cx="174944" cy="3783882"/>
             </a:xfrm>
             <a:prstGeom prst="rect">
               <a:avLst/>
@@ -5793,8 +6751,8 @@
           </p:nvSpPr>
           <p:spPr>
             <a:xfrm>
-              <a:off x="8474152" y="2309650"/>
-              <a:ext cx="174944" cy="3857148"/>
+              <a:off x="8474152" y="2107442"/>
+              <a:ext cx="174944" cy="3066935"/>
             </a:xfrm>
             <a:prstGeom prst="rect">
               <a:avLst/>
@@ -5828,8 +6786,8 @@
           </p:nvSpPr>
           <p:spPr>
             <a:xfrm>
-              <a:off x="8649097" y="2322820"/>
-              <a:ext cx="174944" cy="3843979"/>
+              <a:off x="8649097" y="2117899"/>
+              <a:ext cx="174944" cy="3056478"/>
             </a:xfrm>
             <a:prstGeom prst="rect">
               <a:avLst/>
@@ -5863,7 +6821,7 @@
           </p:nvSpPr>
           <p:spPr>
             <a:xfrm>
-              <a:off x="653086" y="6046360"/>
+              <a:off x="653086" y="5053939"/>
               <a:ext cx="254272" cy="202257"/>
             </a:xfrm>
             <a:prstGeom prst="rect">
@@ -5909,7 +6867,7 @@
           </p:nvSpPr>
           <p:spPr>
             <a:xfrm>
-              <a:off x="208165" y="4242837"/>
+              <a:off x="208165" y="3332691"/>
               <a:ext cx="699194" cy="211075"/>
             </a:xfrm>
             <a:prstGeom prst="rect">
@@ -5955,7 +6913,7 @@
           </p:nvSpPr>
           <p:spPr>
             <a:xfrm>
-              <a:off x="81028" y="2448132"/>
+              <a:off x="81028" y="1620262"/>
               <a:ext cx="826330" cy="211075"/>
             </a:xfrm>
             <a:prstGeom prst="rect">
@@ -6001,7 +6959,7 @@
           </p:nvSpPr>
           <p:spPr>
             <a:xfrm>
-              <a:off x="1009845" y="6166799"/>
+              <a:off x="1009845" y="5174378"/>
               <a:ext cx="7930826" cy="0"/>
             </a:xfrm>
             <a:custGeom>
@@ -6041,7 +6999,7 @@
           </p:nvSpPr>
           <p:spPr>
             <a:xfrm>
-              <a:off x="1476364" y="6166799"/>
+              <a:off x="1476364" y="5174378"/>
               <a:ext cx="0" cy="56936"/>
             </a:xfrm>
             <a:custGeom>
@@ -6081,7 +7039,7 @@
           </p:nvSpPr>
           <p:spPr>
             <a:xfrm>
-              <a:off x="2253896" y="6166799"/>
+              <a:off x="2253896" y="5174378"/>
               <a:ext cx="0" cy="56936"/>
             </a:xfrm>
             <a:custGeom>
@@ -6121,7 +7079,7 @@
           </p:nvSpPr>
           <p:spPr>
             <a:xfrm>
-              <a:off x="3031428" y="6166799"/>
+              <a:off x="3031428" y="5174378"/>
               <a:ext cx="0" cy="56936"/>
             </a:xfrm>
             <a:custGeom>
@@ -6161,7 +7119,7 @@
           </p:nvSpPr>
           <p:spPr>
             <a:xfrm>
-              <a:off x="3808960" y="6166799"/>
+              <a:off x="3808960" y="5174378"/>
               <a:ext cx="0" cy="56936"/>
             </a:xfrm>
             <a:custGeom>
@@ -6201,7 +7159,7 @@
           </p:nvSpPr>
           <p:spPr>
             <a:xfrm>
-              <a:off x="4586492" y="6166799"/>
+              <a:off x="4586492" y="5174378"/>
               <a:ext cx="0" cy="56936"/>
             </a:xfrm>
             <a:custGeom>
@@ -6241,7 +7199,7 @@
           </p:nvSpPr>
           <p:spPr>
             <a:xfrm>
-              <a:off x="5364024" y="6166799"/>
+              <a:off x="5364024" y="5174378"/>
               <a:ext cx="0" cy="56936"/>
             </a:xfrm>
             <a:custGeom>
@@ -6281,7 +7239,7 @@
           </p:nvSpPr>
           <p:spPr>
             <a:xfrm>
-              <a:off x="6141556" y="6166799"/>
+              <a:off x="6141556" y="5174378"/>
               <a:ext cx="0" cy="56936"/>
             </a:xfrm>
             <a:custGeom>
@@ -6321,7 +7279,7 @@
           </p:nvSpPr>
           <p:spPr>
             <a:xfrm>
-              <a:off x="6919088" y="6166799"/>
+              <a:off x="6919088" y="5174378"/>
               <a:ext cx="0" cy="56936"/>
             </a:xfrm>
             <a:custGeom>
@@ -6361,7 +7319,7 @@
           </p:nvSpPr>
           <p:spPr>
             <a:xfrm>
-              <a:off x="7696620" y="6166799"/>
+              <a:off x="7696620" y="5174378"/>
               <a:ext cx="0" cy="56936"/>
             </a:xfrm>
             <a:custGeom>
@@ -6401,7 +7359,7 @@
           </p:nvSpPr>
           <p:spPr>
             <a:xfrm>
-              <a:off x="8474152" y="6166799"/>
+              <a:off x="8474152" y="5174378"/>
               <a:ext cx="0" cy="56936"/>
             </a:xfrm>
             <a:custGeom>
@@ -6441,7 +7399,7 @@
           </p:nvSpPr>
           <p:spPr>
             <a:xfrm>
-              <a:off x="1412796" y="6268615"/>
+              <a:off x="1412796" y="5276194"/>
               <a:ext cx="127136" cy="164306"/>
             </a:xfrm>
             <a:prstGeom prst="rect">
@@ -6487,7 +7445,7 @@
           </p:nvSpPr>
           <p:spPr>
             <a:xfrm>
-              <a:off x="2190328" y="6268615"/>
+              <a:off x="2190328" y="5276194"/>
               <a:ext cx="127136" cy="164306"/>
             </a:xfrm>
             <a:prstGeom prst="rect">
@@ -6533,7 +7491,7 @@
           </p:nvSpPr>
           <p:spPr>
             <a:xfrm>
-              <a:off x="2967860" y="6265713"/>
+              <a:off x="2967860" y="5273292"/>
               <a:ext cx="127136" cy="167208"/>
             </a:xfrm>
             <a:prstGeom prst="rect">
@@ -6579,7 +7537,7 @@
           </p:nvSpPr>
           <p:spPr>
             <a:xfrm>
-              <a:off x="3745392" y="6269285"/>
+              <a:off x="3745392" y="5276863"/>
               <a:ext cx="127136" cy="163636"/>
             </a:xfrm>
             <a:prstGeom prst="rect">
@@ -6625,7 +7583,7 @@
           </p:nvSpPr>
           <p:spPr>
             <a:xfrm>
-              <a:off x="4522924" y="6268726"/>
+              <a:off x="4522924" y="5276305"/>
               <a:ext cx="127136" cy="164194"/>
             </a:xfrm>
             <a:prstGeom prst="rect">
@@ -6671,7 +7629,7 @@
           </p:nvSpPr>
           <p:spPr>
             <a:xfrm>
-              <a:off x="5300456" y="6265824"/>
+              <a:off x="5300456" y="5273403"/>
               <a:ext cx="127136" cy="167096"/>
             </a:xfrm>
             <a:prstGeom prst="rect">
@@ -6717,7 +7675,7 @@
           </p:nvSpPr>
           <p:spPr>
             <a:xfrm>
-              <a:off x="6077988" y="6271405"/>
+              <a:off x="6077988" y="5278984"/>
               <a:ext cx="127136" cy="161515"/>
             </a:xfrm>
             <a:prstGeom prst="rect">
@@ -6763,7 +7721,7 @@
           </p:nvSpPr>
           <p:spPr>
             <a:xfrm>
-              <a:off x="6855520" y="6265824"/>
+              <a:off x="6855520" y="5273403"/>
               <a:ext cx="127136" cy="167096"/>
             </a:xfrm>
             <a:prstGeom prst="rect">
@@ -6809,7 +7767,7 @@
           </p:nvSpPr>
           <p:spPr>
             <a:xfrm>
-              <a:off x="7633052" y="6265824"/>
+              <a:off x="7633052" y="5273403"/>
               <a:ext cx="127136" cy="167096"/>
             </a:xfrm>
             <a:prstGeom prst="rect">
@@ -6855,7 +7813,7 @@
           </p:nvSpPr>
           <p:spPr>
             <a:xfrm>
-              <a:off x="8347016" y="6265824"/>
+              <a:off x="8347016" y="5273403"/>
               <a:ext cx="254272" cy="167096"/>
             </a:xfrm>
             <a:prstGeom prst="rect">
@@ -6901,7 +7859,7 @@
           </p:nvSpPr>
           <p:spPr>
             <a:xfrm>
-              <a:off x="4657640" y="6535287"/>
+              <a:off x="4657640" y="5542866"/>
               <a:ext cx="635235" cy="166315"/>
             </a:xfrm>
             <a:prstGeom prst="rect">
@@ -6948,7 +7906,7 @@
           <p:spPr>
             <a:xfrm>
               <a:off x="1009845" y="1322639"/>
-              <a:ext cx="5767424" cy="1207741"/>
+              <a:ext cx="6873254" cy="960853"/>
             </a:xfrm>
             <a:prstGeom prst="rect">
               <a:avLst/>
@@ -7157,7 +8115,7 @@
           <p:spPr>
             <a:xfrm>
               <a:off x="1009845" y="2071748"/>
-              <a:ext cx="182880" cy="458633"/>
+              <a:ext cx="182880" cy="211745"/>
             </a:xfrm>
             <a:prstGeom prst="rect">
               <a:avLst/>
@@ -7183,7 +8141,7 @@
           <p:spPr>
             <a:xfrm>
               <a:off x="1014590" y="2076493"/>
-              <a:ext cx="173390" cy="449143"/>
+              <a:ext cx="173390" cy="202255"/>
             </a:xfrm>
             <a:prstGeom prst="rect">
               <a:avLst/>
@@ -7218,7 +8176,7 @@
           <p:spPr>
             <a:xfrm>
               <a:off x="1306598" y="1409668"/>
-              <a:ext cx="3011760" cy="214535"/>
+              <a:ext cx="2719536" cy="214535"/>
             </a:xfrm>
             <a:prstGeom prst="rect">
               <a:avLst/>
@@ -7250,7 +8208,7 @@
                   <a:latin typeface="Arial"/>
                   <a:cs typeface="Arial"/>
                 </a:rPr>
-                <a:t>15% tax on all super earnings</a:t>
+                <a:t>15% tax on super earnings</a:t>
               </a:r>
             </a:p>
           </p:txBody>
@@ -7264,7 +8222,7 @@
           <p:spPr>
             <a:xfrm>
               <a:off x="1306598" y="1621413"/>
-              <a:ext cx="5413734" cy="214535"/>
+              <a:ext cx="5121510" cy="214535"/>
             </a:xfrm>
             <a:prstGeom prst="rect">
               <a:avLst/>
@@ -7296,7 +8254,7 @@
                   <a:latin typeface="Arial"/>
                   <a:cs typeface="Arial"/>
                 </a:rPr>
-                <a:t>15% tax on all super earnings after behaviour change</a:t>
+                <a:t>15% tax on super earnings after behaviour change</a:t>
               </a:r>
             </a:p>
           </p:txBody>
@@ -7356,7 +8314,7 @@
           <p:spPr>
             <a:xfrm>
               <a:off x="1306598" y="2032625"/>
-              <a:ext cx="4117590" cy="226814"/>
+              <a:ext cx="6519564" cy="226814"/>
             </a:xfrm>
             <a:prstGeom prst="rect">
               <a:avLst/>
@@ -7388,7 +8346,7 @@
                   <a:latin typeface="Arial"/>
                   <a:cs typeface="Arial"/>
                 </a:rPr>
-                <a:t>15% tax on super earnings over $20,000</a:t>
+                <a:t>15% tax on super earnings over $20,000 after behaviour change</a:t>
               </a:r>
             </a:p>
           </p:txBody>
@@ -7401,8 +8359,8 @@
           </p:nvSpPr>
           <p:spPr>
             <a:xfrm>
-              <a:off x="1306598" y="2291791"/>
-              <a:ext cx="2338461" cy="214535"/>
+              <a:off x="81028" y="5919201"/>
+              <a:ext cx="8836877" cy="118695"/>
             </a:xfrm>
             <a:prstGeom prst="rect">
               <a:avLst/>
@@ -7415,7 +8373,7 @@
             <a:p>
               <a:pPr algn="l" marL="0" marR="0" indent="0">
                 <a:lnSpc>
-                  <a:spcPts val="1800"/>
+                  <a:spcPts val="999"/>
                 </a:lnSpc>
                 <a:spcBef>
                   <a:spcPts val="0"/>
@@ -7425,7 +8383,7 @@
                 </a:spcAft>
               </a:pPr>
               <a:r>
-                <a:rPr sz="1800">
+                <a:rPr sz="999" i="1">
                   <a:solidFill>
                     <a:srgbClr val="000000">
                       <a:alpha val="100000"/>
@@ -7434,7 +8392,237 @@
                   <a:latin typeface="Arial"/>
                   <a:cs typeface="Arial"/>
                 </a:rPr>
-                <a:t>after behaviour change</a:t>
+                <a:t>Note: Earnings estimated as 5% of super balances. Effective earnings tax assumed to be 12.5%. Behavioural response assumed to be that individuals whose</a:t>
+              </a:r>
+            </a:p>
+          </p:txBody>
+        </p:sp>
+        <p:sp>
+          <p:nvSpPr>
+            <p:cNvPr id="90" name="tx88"/>
+            <p:cNvSpPr/>
+            <p:nvPr/>
+          </p:nvSpPr>
+          <p:spPr>
+            <a:xfrm>
+              <a:off x="81028" y="6056224"/>
+              <a:ext cx="8726607" cy="118695"/>
+            </a:xfrm>
+            <a:prstGeom prst="rect">
+              <a:avLst/>
+            </a:prstGeom>
+            <a:noFill/>
+          </p:spPr>
+          <p:txBody>
+            <a:bodyPr lIns="0" rIns="0" tIns="0" bIns="0" anchorCtr="1" anchor="ctr" wrap="none"/>
+            <a:lstStyle/>
+            <a:p>
+              <a:pPr algn="l" marL="0" marR="0" indent="0">
+                <a:lnSpc>
+                  <a:spcPts val="999"/>
+                </a:lnSpc>
+                <a:spcBef>
+                  <a:spcPts val="0"/>
+                </a:spcBef>
+                <a:spcAft>
+                  <a:spcPts val="0"/>
+                </a:spcAft>
+              </a:pPr>
+              <a:r>
+                <a:rPr sz="999" i="1">
+                  <a:solidFill>
+                    <a:srgbClr val="000000">
+                      <a:alpha val="100000"/>
+                    </a:srgbClr>
+                  </a:solidFill>
+                  <a:latin typeface="Arial"/>
+                  <a:cs typeface="Arial"/>
+                </a:rPr>
+                <a:t>taxable income is below either the tax-free threshold or the taxable income at which most people's marginal tax rate exceeds 12.5% would transfer as much</a:t>
+              </a:r>
+            </a:p>
+          </p:txBody>
+        </p:sp>
+        <p:sp>
+          <p:nvSpPr>
+            <p:cNvPr id="91" name="tx89"/>
+            <p:cNvSpPr/>
+            <p:nvPr/>
+          </p:nvSpPr>
+          <p:spPr>
+            <a:xfrm>
+              <a:off x="81028" y="6193247"/>
+              <a:ext cx="8624824" cy="118695"/>
+            </a:xfrm>
+            <a:prstGeom prst="rect">
+              <a:avLst/>
+            </a:prstGeom>
+            <a:noFill/>
+          </p:spPr>
+          <p:txBody>
+            <a:bodyPr lIns="0" rIns="0" tIns="0" bIns="0" anchorCtr="1" anchor="ctr" wrap="none"/>
+            <a:lstStyle/>
+            <a:p>
+              <a:pPr algn="l" marL="0" marR="0" indent="0">
+                <a:lnSpc>
+                  <a:spcPts val="999"/>
+                </a:lnSpc>
+                <a:spcBef>
+                  <a:spcPts val="0"/>
+                </a:spcBef>
+                <a:spcAft>
+                  <a:spcPts val="0"/>
+                </a:spcAft>
+              </a:pPr>
+              <a:r>
+                <a:rPr sz="999" i="1">
+                  <a:solidFill>
+                    <a:srgbClr val="000000">
+                      <a:alpha val="100000"/>
+                    </a:srgbClr>
+                  </a:solidFill>
+                  <a:latin typeface="Arial"/>
+                  <a:cs typeface="Arial"/>
+                </a:rPr>
+                <a:t>super earnings into their taxable income as would reduce their tax. The effective tax-free threshold is the most common taxable income in which people of</a:t>
+              </a:r>
+            </a:p>
+          </p:txBody>
+        </p:sp>
+        <p:sp>
+          <p:nvSpPr>
+            <p:cNvPr id="92" name="tx90"/>
+            <p:cNvSpPr/>
+            <p:nvPr/>
+          </p:nvSpPr>
+          <p:spPr>
+            <a:xfrm>
+              <a:off x="81028" y="6325376"/>
+              <a:ext cx="8561821" cy="123589"/>
+            </a:xfrm>
+            <a:prstGeom prst="rect">
+              <a:avLst/>
+            </a:prstGeom>
+            <a:noFill/>
+          </p:spPr>
+          <p:txBody>
+            <a:bodyPr lIns="0" rIns="0" tIns="0" bIns="0" anchorCtr="1" anchor="ctr" wrap="none"/>
+            <a:lstStyle/>
+            <a:p>
+              <a:pPr algn="l" marL="0" marR="0" indent="0">
+                <a:lnSpc>
+                  <a:spcPts val="999"/>
+                </a:lnSpc>
+                <a:spcBef>
+                  <a:spcPts val="0"/>
+                </a:spcBef>
+                <a:spcAft>
+                  <a:spcPts val="0"/>
+                </a:spcAft>
+              </a:pPr>
+              <a:r>
+                <a:rPr sz="999" i="1">
+                  <a:solidFill>
+                    <a:srgbClr val="000000">
+                      <a:alpha val="100000"/>
+                    </a:srgbClr>
+                  </a:solidFill>
+                  <a:latin typeface="Arial"/>
+                  <a:cs typeface="Arial"/>
+                </a:rPr>
+                <a:t>that age and partner status pay between $1 and $100 income tax. The threshold for the 12.5% marginal rate is the minimum taxable income at which the</a:t>
+              </a:r>
+            </a:p>
+          </p:txBody>
+        </p:sp>
+        <p:sp>
+          <p:nvSpPr>
+            <p:cNvPr id="93" name="tx91"/>
+            <p:cNvSpPr/>
+            <p:nvPr/>
+          </p:nvSpPr>
+          <p:spPr>
+            <a:xfrm>
+              <a:off x="81028" y="6467293"/>
+              <a:ext cx="3956479" cy="118695"/>
+            </a:xfrm>
+            <a:prstGeom prst="rect">
+              <a:avLst/>
+            </a:prstGeom>
+            <a:noFill/>
+          </p:spPr>
+          <p:txBody>
+            <a:bodyPr lIns="0" rIns="0" tIns="0" bIns="0" anchorCtr="1" anchor="ctr" wrap="none"/>
+            <a:lstStyle/>
+            <a:p>
+              <a:pPr algn="l" marL="0" marR="0" indent="0">
+                <a:lnSpc>
+                  <a:spcPts val="999"/>
+                </a:lnSpc>
+                <a:spcBef>
+                  <a:spcPts val="0"/>
+                </a:spcBef>
+                <a:spcAft>
+                  <a:spcPts val="0"/>
+                </a:spcAft>
+              </a:pPr>
+              <a:r>
+                <a:rPr sz="999" i="1">
+                  <a:solidFill>
+                    <a:srgbClr val="000000">
+                      <a:alpha val="100000"/>
+                    </a:srgbClr>
+                  </a:solidFill>
+                  <a:latin typeface="Arial"/>
+                  <a:cs typeface="Arial"/>
+                </a:rPr>
+                <a:t>marginal tax rate is greater than 12.5% for that age and partner status.</a:t>
+              </a:r>
+            </a:p>
+          </p:txBody>
+        </p:sp>
+        <p:sp>
+          <p:nvSpPr>
+            <p:cNvPr id="94" name="tx92"/>
+            <p:cNvSpPr/>
+            <p:nvPr/>
+          </p:nvSpPr>
+          <p:spPr>
+            <a:xfrm>
+              <a:off x="81028" y="6605431"/>
+              <a:ext cx="2129707" cy="117580"/>
+            </a:xfrm>
+            <a:prstGeom prst="rect">
+              <a:avLst/>
+            </a:prstGeom>
+            <a:noFill/>
+          </p:spPr>
+          <p:txBody>
+            <a:bodyPr lIns="0" rIns="0" tIns="0" bIns="0" anchorCtr="1" anchor="ctr" wrap="none"/>
+            <a:lstStyle/>
+            <a:p>
+              <a:pPr algn="l" marL="0" marR="0" indent="0">
+                <a:lnSpc>
+                  <a:spcPts val="999"/>
+                </a:lnSpc>
+                <a:spcBef>
+                  <a:spcPts val="0"/>
+                </a:spcBef>
+                <a:spcAft>
+                  <a:spcPts val="0"/>
+                </a:spcAft>
+              </a:pPr>
+              <a:r>
+                <a:rPr sz="999" i="1">
+                  <a:solidFill>
+                    <a:srgbClr val="000000">
+                      <a:alpha val="100000"/>
+                    </a:srgbClr>
+                  </a:solidFill>
+                  <a:latin typeface="Arial"/>
+                  <a:cs typeface="Arial"/>
+                </a:rPr>
+                <a:t>Source: ATO 2017-18 2% sample file.</a:t>
               </a:r>
             </a:p>
           </p:txBody>
